--- a/06_webScrapping/six_deg_of_sep.pptx
+++ b/06_webScrapping/six_deg_of_sep.pptx
@@ -109,6 +109,11 @@
       </a:defRPr>
     </a:lvl9pPr>
   </p:defaultTextStyle>
+  <p:extLst>
+    <p:ext uri="{EFAFB233-063F-42B5-8137-9DF3F51BA10A}">
+      <p15:sldGuideLst xmlns:p15="http://schemas.microsoft.com/office/powerpoint/2012/main"/>
+    </p:ext>
+  </p:extLst>
 </p:presentation>
 </file>
 
@@ -261,7 +266,7 @@
           <a:p>
             <a:fld id="{41B42C5A-06D0-9548-A4FE-14A5F92160FD}" type="datetimeFigureOut">
               <a:rPr lang="en-NO" smtClean="0"/>
-              <a:t>17/10/2022</a:t>
+              <a:t>19/10/2022</a:t>
             </a:fld>
             <a:endParaRPr lang="en-NO"/>
           </a:p>
@@ -461,7 +466,7 @@
           <a:p>
             <a:fld id="{41B42C5A-06D0-9548-A4FE-14A5F92160FD}" type="datetimeFigureOut">
               <a:rPr lang="en-NO" smtClean="0"/>
-              <a:t>17/10/2022</a:t>
+              <a:t>19/10/2022</a:t>
             </a:fld>
             <a:endParaRPr lang="en-NO"/>
           </a:p>
@@ -671,7 +676,7 @@
           <a:p>
             <a:fld id="{41B42C5A-06D0-9548-A4FE-14A5F92160FD}" type="datetimeFigureOut">
               <a:rPr lang="en-NO" smtClean="0"/>
-              <a:t>17/10/2022</a:t>
+              <a:t>19/10/2022</a:t>
             </a:fld>
             <a:endParaRPr lang="en-NO"/>
           </a:p>
@@ -871,7 +876,7 @@
           <a:p>
             <a:fld id="{41B42C5A-06D0-9548-A4FE-14A5F92160FD}" type="datetimeFigureOut">
               <a:rPr lang="en-NO" smtClean="0"/>
-              <a:t>17/10/2022</a:t>
+              <a:t>19/10/2022</a:t>
             </a:fld>
             <a:endParaRPr lang="en-NO"/>
           </a:p>
@@ -1147,7 +1152,7 @@
           <a:p>
             <a:fld id="{41B42C5A-06D0-9548-A4FE-14A5F92160FD}" type="datetimeFigureOut">
               <a:rPr lang="en-NO" smtClean="0"/>
-              <a:t>17/10/2022</a:t>
+              <a:t>19/10/2022</a:t>
             </a:fld>
             <a:endParaRPr lang="en-NO"/>
           </a:p>
@@ -1415,7 +1420,7 @@
           <a:p>
             <a:fld id="{41B42C5A-06D0-9548-A4FE-14A5F92160FD}" type="datetimeFigureOut">
               <a:rPr lang="en-NO" smtClean="0"/>
-              <a:t>17/10/2022</a:t>
+              <a:t>19/10/2022</a:t>
             </a:fld>
             <a:endParaRPr lang="en-NO"/>
           </a:p>
@@ -1830,7 +1835,7 @@
           <a:p>
             <a:fld id="{41B42C5A-06D0-9548-A4FE-14A5F92160FD}" type="datetimeFigureOut">
               <a:rPr lang="en-NO" smtClean="0"/>
-              <a:t>17/10/2022</a:t>
+              <a:t>19/10/2022</a:t>
             </a:fld>
             <a:endParaRPr lang="en-NO"/>
           </a:p>
@@ -1972,7 +1977,7 @@
           <a:p>
             <a:fld id="{41B42C5A-06D0-9548-A4FE-14A5F92160FD}" type="datetimeFigureOut">
               <a:rPr lang="en-NO" smtClean="0"/>
-              <a:t>17/10/2022</a:t>
+              <a:t>19/10/2022</a:t>
             </a:fld>
             <a:endParaRPr lang="en-NO"/>
           </a:p>
@@ -2085,7 +2090,7 @@
           <a:p>
             <a:fld id="{41B42C5A-06D0-9548-A4FE-14A5F92160FD}" type="datetimeFigureOut">
               <a:rPr lang="en-NO" smtClean="0"/>
-              <a:t>17/10/2022</a:t>
+              <a:t>19/10/2022</a:t>
             </a:fld>
             <a:endParaRPr lang="en-NO"/>
           </a:p>
@@ -2398,7 +2403,7 @@
           <a:p>
             <a:fld id="{41B42C5A-06D0-9548-A4FE-14A5F92160FD}" type="datetimeFigureOut">
               <a:rPr lang="en-NO" smtClean="0"/>
-              <a:t>17/10/2022</a:t>
+              <a:t>19/10/2022</a:t>
             </a:fld>
             <a:endParaRPr lang="en-NO"/>
           </a:p>
@@ -2687,7 +2692,7 @@
           <a:p>
             <a:fld id="{41B42C5A-06D0-9548-A4FE-14A5F92160FD}" type="datetimeFigureOut">
               <a:rPr lang="en-NO" smtClean="0"/>
-              <a:t>17/10/2022</a:t>
+              <a:t>19/10/2022</a:t>
             </a:fld>
             <a:endParaRPr lang="en-NO"/>
           </a:p>
@@ -2930,7 +2935,7 @@
           <a:p>
             <a:fld id="{41B42C5A-06D0-9548-A4FE-14A5F92160FD}" type="datetimeFigureOut">
               <a:rPr lang="en-NO" smtClean="0"/>
-              <a:t>17/10/2022</a:t>
+              <a:t>19/10/2022</a:t>
             </a:fld>
             <a:endParaRPr lang="en-NO"/>
           </a:p>
@@ -3369,7 +3374,7 @@
         </p:blipFill>
         <p:spPr>
           <a:xfrm>
-            <a:off x="-159026" y="0"/>
+            <a:off x="0" y="0"/>
             <a:ext cx="12192000" cy="6858000"/>
           </a:xfrm>
           <a:prstGeom prst="rect">
@@ -3395,7 +3400,7 @@
         </p:nvSpPr>
         <p:spPr>
           <a:xfrm>
-            <a:off x="-831574" y="-308114"/>
+            <a:off x="-672548" y="-308114"/>
             <a:ext cx="9144000" cy="1154389"/>
           </a:xfrm>
         </p:spPr>
@@ -3437,7 +3442,7 @@
         </p:nvSpPr>
         <p:spPr>
           <a:xfrm>
-            <a:off x="-2819400" y="689873"/>
+            <a:off x="-2660374" y="689873"/>
             <a:ext cx="9144000" cy="1655762"/>
           </a:xfrm>
         </p:spPr>
@@ -3856,7 +3861,9 @@
         </p:nvSpPr>
         <p:spPr/>
         <p:txBody>
-          <a:bodyPr/>
+          <a:bodyPr>
+            <a:normAutofit fontScale="92500" lnSpcReduction="10000"/>
+          </a:bodyPr>
           <a:lstStyle/>
           <a:p>
             <a:r>
@@ -3874,6 +3881,12 @@
             <a:r>
               <a:rPr lang="en-NO" dirty="0"/>
               <a:t>If you have time, this is actually super fun!</a:t>
+            </a:r>
+          </a:p>
+          <a:p>
+            <a:r>
+              <a:rPr lang="en-NO" dirty="0"/>
+              <a:t>You are going to from Nobel Pice Prize to Array (data structure)</a:t>
             </a:r>
           </a:p>
           <a:p>
